--- a/CODERS.pptx
+++ b/CODERS.pptx
@@ -5,7 +5,7 @@
     <p:sldMasterId id="2147483648" r:id="rId1"/>
   </p:sldMasterIdLst>
   <p:notesMasterIdLst>
-    <p:notesMasterId r:id="rId15"/>
+    <p:notesMasterId r:id="rId12"/>
   </p:notesMasterIdLst>
   <p:sldIdLst>
     <p:sldId id="256" r:id="rId2"/>
@@ -17,10 +17,7 @@
     <p:sldId id="262" r:id="rId8"/>
     <p:sldId id="263" r:id="rId9"/>
     <p:sldId id="264" r:id="rId10"/>
-    <p:sldId id="265" r:id="rId11"/>
-    <p:sldId id="266" r:id="rId12"/>
-    <p:sldId id="267" r:id="rId13"/>
-    <p:sldId id="268" r:id="rId14"/>
+    <p:sldId id="268" r:id="rId11"/>
   </p:sldIdLst>
   <p:sldSz cx="12192000" cy="6858000"/>
   <p:notesSz cx="6858000" cy="9144000"/>
@@ -220,7 +217,7 @@
           <a:p>
             <a:fld id="{74A770EB-78A4-4E5B-A7EF-CE3A4715E02B}" type="datetimeFigureOut">
               <a:rPr lang="it-IT" smtClean="0"/>
-              <a:t>02/03/2023</a:t>
+              <a:t>03/03/2023</a:t>
             </a:fld>
             <a:endParaRPr lang="it-IT"/>
           </a:p>
@@ -634,7 +631,7 @@
           <a:p>
             <a:fld id="{907E8297-35C7-488B-9C9A-F74A4134695D}" type="datetimeFigureOut">
               <a:rPr lang="it-IT" smtClean="0"/>
-              <a:t>02/03/2023</a:t>
+              <a:t>03/03/2023</a:t>
             </a:fld>
             <a:endParaRPr lang="it-IT"/>
           </a:p>
@@ -832,7 +829,7 @@
           <a:p>
             <a:fld id="{907E8297-35C7-488B-9C9A-F74A4134695D}" type="datetimeFigureOut">
               <a:rPr lang="it-IT" smtClean="0"/>
-              <a:t>02/03/2023</a:t>
+              <a:t>03/03/2023</a:t>
             </a:fld>
             <a:endParaRPr lang="it-IT"/>
           </a:p>
@@ -1040,7 +1037,7 @@
           <a:p>
             <a:fld id="{907E8297-35C7-488B-9C9A-F74A4134695D}" type="datetimeFigureOut">
               <a:rPr lang="it-IT" smtClean="0"/>
-              <a:t>02/03/2023</a:t>
+              <a:t>03/03/2023</a:t>
             </a:fld>
             <a:endParaRPr lang="it-IT"/>
           </a:p>
@@ -1238,7 +1235,7 @@
           <a:p>
             <a:fld id="{907E8297-35C7-488B-9C9A-F74A4134695D}" type="datetimeFigureOut">
               <a:rPr lang="it-IT" smtClean="0"/>
-              <a:t>02/03/2023</a:t>
+              <a:t>03/03/2023</a:t>
             </a:fld>
             <a:endParaRPr lang="it-IT"/>
           </a:p>
@@ -1513,7 +1510,7 @@
           <a:p>
             <a:fld id="{907E8297-35C7-488B-9C9A-F74A4134695D}" type="datetimeFigureOut">
               <a:rPr lang="it-IT" smtClean="0"/>
-              <a:t>02/03/2023</a:t>
+              <a:t>03/03/2023</a:t>
             </a:fld>
             <a:endParaRPr lang="it-IT"/>
           </a:p>
@@ -1778,7 +1775,7 @@
           <a:p>
             <a:fld id="{907E8297-35C7-488B-9C9A-F74A4134695D}" type="datetimeFigureOut">
               <a:rPr lang="it-IT" smtClean="0"/>
-              <a:t>02/03/2023</a:t>
+              <a:t>03/03/2023</a:t>
             </a:fld>
             <a:endParaRPr lang="it-IT"/>
           </a:p>
@@ -2190,7 +2187,7 @@
           <a:p>
             <a:fld id="{907E8297-35C7-488B-9C9A-F74A4134695D}" type="datetimeFigureOut">
               <a:rPr lang="it-IT" smtClean="0"/>
-              <a:t>02/03/2023</a:t>
+              <a:t>03/03/2023</a:t>
             </a:fld>
             <a:endParaRPr lang="it-IT"/>
           </a:p>
@@ -2331,7 +2328,7 @@
           <a:p>
             <a:fld id="{907E8297-35C7-488B-9C9A-F74A4134695D}" type="datetimeFigureOut">
               <a:rPr lang="it-IT" smtClean="0"/>
-              <a:t>02/03/2023</a:t>
+              <a:t>03/03/2023</a:t>
             </a:fld>
             <a:endParaRPr lang="it-IT"/>
           </a:p>
@@ -2444,7 +2441,7 @@
           <a:p>
             <a:fld id="{907E8297-35C7-488B-9C9A-F74A4134695D}" type="datetimeFigureOut">
               <a:rPr lang="it-IT" smtClean="0"/>
-              <a:t>02/03/2023</a:t>
+              <a:t>03/03/2023</a:t>
             </a:fld>
             <a:endParaRPr lang="it-IT"/>
           </a:p>
@@ -2755,7 +2752,7 @@
           <a:p>
             <a:fld id="{907E8297-35C7-488B-9C9A-F74A4134695D}" type="datetimeFigureOut">
               <a:rPr lang="it-IT" smtClean="0"/>
-              <a:t>02/03/2023</a:t>
+              <a:t>03/03/2023</a:t>
             </a:fld>
             <a:endParaRPr lang="it-IT"/>
           </a:p>
@@ -3043,7 +3040,7 @@
           <a:p>
             <a:fld id="{907E8297-35C7-488B-9C9A-F74A4134695D}" type="datetimeFigureOut">
               <a:rPr lang="it-IT" smtClean="0"/>
-              <a:t>02/03/2023</a:t>
+              <a:t>03/03/2023</a:t>
             </a:fld>
             <a:endParaRPr lang="it-IT"/>
           </a:p>
@@ -3296,7 +3293,7 @@
           <a:p>
             <a:fld id="{907E8297-35C7-488B-9C9A-F74A4134695D}" type="datetimeFigureOut">
               <a:rPr lang="it-IT" smtClean="0"/>
-              <a:t>02/03/2023</a:t>
+              <a:t>03/03/2023</a:t>
             </a:fld>
             <a:endParaRPr lang="it-IT"/>
           </a:p>
@@ -5397,825 +5394,6 @@
             <p:ph type="title"/>
           </p:nvPr>
         </p:nvSpPr>
-        <p:spPr/>
-        <p:txBody>
-          <a:bodyPr>
-            <a:noAutofit/>
-          </a:bodyPr>
-          <a:lstStyle/>
-          <a:p>
-            <a:r>
-              <a:rPr lang="it-IT" sz="9600"/>
-              <a:t>Design system</a:t>
-            </a:r>
-          </a:p>
-        </p:txBody>
-      </p:sp>
-      <p:sp>
-        <p:nvSpPr>
-          <p:cNvPr id="3" name="Segnaposto contenuto 2">
-            <a:extLst>
-              <a:ext uri="{FF2B5EF4-FFF2-40B4-BE49-F238E27FC236}">
-                <a16:creationId xmlns:a16="http://schemas.microsoft.com/office/drawing/2014/main" id="{364CAF33-1892-1414-B6DA-837B5BDE37DD}"/>
-              </a:ext>
-            </a:extLst>
-          </p:cNvPr>
-          <p:cNvSpPr>
-            <a:spLocks noGrp="1"/>
-          </p:cNvSpPr>
-          <p:nvPr>
-            <p:ph idx="1"/>
-          </p:nvPr>
-        </p:nvSpPr>
-        <p:spPr>
-          <a:xfrm>
-            <a:off x="838200" y="2444750"/>
-            <a:ext cx="10515600" cy="4351338"/>
-          </a:xfrm>
-        </p:spPr>
-        <p:txBody>
-          <a:bodyPr/>
-          <a:lstStyle/>
-          <a:p>
-            <a:pPr marL="0" indent="0">
-              <a:buNone/>
-            </a:pPr>
-            <a:r>
-              <a:rPr lang="it-IT"/>
-              <a:t>Lorem ipsum, dolor sit amet consectetur adipisicing elit. Numquam et pariatur necessitatibus, praesentium ipsa voluptatem error ea aperiam debitis at adipisci eum expedita facilis quod suscipit ipsum perferendis magni eos minima rerum qui blanditiis exercitationem totam? Voluptates voluptatum architecto, harum blanditiis facere ipsa quo delectus, necessitatibus et, tempore sit alias?</a:t>
-            </a:r>
-          </a:p>
-          <a:p>
-            <a:pPr marL="0" indent="0">
-              <a:buNone/>
-            </a:pPr>
-            <a:endParaRPr lang="it-IT"/>
-          </a:p>
-        </p:txBody>
-      </p:sp>
-    </p:spTree>
-    <p:extLst>
-      <p:ext uri="{BB962C8B-B14F-4D97-AF65-F5344CB8AC3E}">
-        <p14:creationId xmlns:p14="http://schemas.microsoft.com/office/powerpoint/2010/main" val="2517256666"/>
-      </p:ext>
-    </p:extLst>
-  </p:cSld>
-  <p:clrMapOvr>
-    <a:masterClrMapping/>
-  </p:clrMapOvr>
-  <p:transition spd="slow">
-    <p:push/>
-  </p:transition>
-  <p:timing>
-    <p:tnLst>
-      <p:par>
-        <p:cTn id="1" dur="indefinite" restart="never" nodeType="tmRoot">
-          <p:childTnLst>
-            <p:seq concurrent="1" nextAc="seek">
-              <p:cTn id="2" dur="indefinite" nodeType="mainSeq">
-                <p:childTnLst>
-                  <p:par>
-                    <p:cTn id="3" fill="hold">
-                      <p:stCondLst>
-                        <p:cond delay="indefinite"/>
-                        <p:cond evt="onBegin" delay="0">
-                          <p:tn val="2"/>
-                        </p:cond>
-                      </p:stCondLst>
-                      <p:childTnLst>
-                        <p:par>
-                          <p:cTn id="4" fill="hold">
-                            <p:stCondLst>
-                              <p:cond delay="0"/>
-                            </p:stCondLst>
-                            <p:childTnLst>
-                              <p:par>
-                                <p:cTn id="5" presetID="42" presetClass="entr" presetSubtype="0" fill="hold" grpId="0" nodeType="afterEffect">
-                                  <p:stCondLst>
-                                    <p:cond delay="0"/>
-                                  </p:stCondLst>
-                                  <p:childTnLst>
-                                    <p:set>
-                                      <p:cBhvr>
-                                        <p:cTn id="6" dur="1" fill="hold">
-                                          <p:stCondLst>
-                                            <p:cond delay="0"/>
-                                          </p:stCondLst>
-                                        </p:cTn>
-                                        <p:tgtEl>
-                                          <p:spTgt spid="3">
-                                            <p:txEl>
-                                              <p:pRg st="0" end="0"/>
-                                            </p:txEl>
-                                          </p:spTgt>
-                                        </p:tgtEl>
-                                        <p:attrNameLst>
-                                          <p:attrName>style.visibility</p:attrName>
-                                        </p:attrNameLst>
-                                      </p:cBhvr>
-                                      <p:to>
-                                        <p:strVal val="visible"/>
-                                      </p:to>
-                                    </p:set>
-                                    <p:animEffect transition="in" filter="fade">
-                                      <p:cBhvr>
-                                        <p:cTn id="7" dur="1000"/>
-                                        <p:tgtEl>
-                                          <p:spTgt spid="3">
-                                            <p:txEl>
-                                              <p:pRg st="0" end="0"/>
-                                            </p:txEl>
-                                          </p:spTgt>
-                                        </p:tgtEl>
-                                      </p:cBhvr>
-                                    </p:animEffect>
-                                    <p:anim calcmode="lin" valueType="num">
-                                      <p:cBhvr>
-                                        <p:cTn id="8" dur="1000" fill="hold"/>
-                                        <p:tgtEl>
-                                          <p:spTgt spid="3">
-                                            <p:txEl>
-                                              <p:pRg st="0" end="0"/>
-                                            </p:txEl>
-                                          </p:spTgt>
-                                        </p:tgtEl>
-                                        <p:attrNameLst>
-                                          <p:attrName>ppt_x</p:attrName>
-                                        </p:attrNameLst>
-                                      </p:cBhvr>
-                                      <p:tavLst>
-                                        <p:tav tm="0">
-                                          <p:val>
-                                            <p:strVal val="#ppt_x"/>
-                                          </p:val>
-                                        </p:tav>
-                                        <p:tav tm="100000">
-                                          <p:val>
-                                            <p:strVal val="#ppt_x"/>
-                                          </p:val>
-                                        </p:tav>
-                                      </p:tavLst>
-                                    </p:anim>
-                                    <p:anim calcmode="lin" valueType="num">
-                                      <p:cBhvr>
-                                        <p:cTn id="9" dur="1000" fill="hold"/>
-                                        <p:tgtEl>
-                                          <p:spTgt spid="3">
-                                            <p:txEl>
-                                              <p:pRg st="0" end="0"/>
-                                            </p:txEl>
-                                          </p:spTgt>
-                                        </p:tgtEl>
-                                        <p:attrNameLst>
-                                          <p:attrName>ppt_y</p:attrName>
-                                        </p:attrNameLst>
-                                      </p:cBhvr>
-                                      <p:tavLst>
-                                        <p:tav tm="0">
-                                          <p:val>
-                                            <p:strVal val="#ppt_y+.1"/>
-                                          </p:val>
-                                        </p:tav>
-                                        <p:tav tm="100000">
-                                          <p:val>
-                                            <p:strVal val="#ppt_y"/>
-                                          </p:val>
-                                        </p:tav>
-                                      </p:tavLst>
-                                    </p:anim>
-                                  </p:childTnLst>
-                                </p:cTn>
-                              </p:par>
-                            </p:childTnLst>
-                          </p:cTn>
-                        </p:par>
-                      </p:childTnLst>
-                    </p:cTn>
-                  </p:par>
-                </p:childTnLst>
-              </p:cTn>
-              <p:prevCondLst>
-                <p:cond evt="onPrev" delay="0">
-                  <p:tgtEl>
-                    <p:sldTgt/>
-                  </p:tgtEl>
-                </p:cond>
-              </p:prevCondLst>
-              <p:nextCondLst>
-                <p:cond evt="onNext" delay="0">
-                  <p:tgtEl>
-                    <p:sldTgt/>
-                  </p:tgtEl>
-                </p:cond>
-              </p:nextCondLst>
-            </p:seq>
-          </p:childTnLst>
-        </p:cTn>
-      </p:par>
-    </p:tnLst>
-    <p:bldLst>
-      <p:bldP spid="3" grpId="0" build="p"/>
-    </p:bldLst>
-  </p:timing>
-</p:sld>
-</file>
-
-<file path=ppt/slides/slide11.xml><?xml version="1.0" encoding="utf-8"?>
-<p:sld xmlns:a="http://schemas.openxmlformats.org/drawingml/2006/main" xmlns:r="http://schemas.openxmlformats.org/officeDocument/2006/relationships" xmlns:p="http://schemas.openxmlformats.org/presentationml/2006/main">
-  <p:cSld>
-    <p:bg>
-      <p:bgPr>
-        <a:gradFill flip="none" rotWithShape="1">
-          <a:gsLst>
-            <a:gs pos="100000">
-              <a:schemeClr val="bg2"/>
-            </a:gs>
-            <a:gs pos="0">
-              <a:schemeClr val="bg1"/>
-            </a:gs>
-          </a:gsLst>
-          <a:lin ang="5400000" scaled="1"/>
-          <a:tileRect/>
-        </a:gradFill>
-        <a:effectLst/>
-      </p:bgPr>
-    </p:bg>
-    <p:spTree>
-      <p:nvGrpSpPr>
-        <p:cNvPr id="1" name=""/>
-        <p:cNvGrpSpPr/>
-        <p:nvPr/>
-      </p:nvGrpSpPr>
-      <p:grpSpPr>
-        <a:xfrm>
-          <a:off x="0" y="0"/>
-          <a:ext cx="0" cy="0"/>
-          <a:chOff x="0" y="0"/>
-          <a:chExt cx="0" cy="0"/>
-        </a:xfrm>
-      </p:grpSpPr>
-      <p:sp>
-        <p:nvSpPr>
-          <p:cNvPr id="2" name="Titolo 1">
-            <a:extLst>
-              <a:ext uri="{FF2B5EF4-FFF2-40B4-BE49-F238E27FC236}">
-                <a16:creationId xmlns:a16="http://schemas.microsoft.com/office/drawing/2014/main" id="{F4E2CC84-4E58-99B8-9881-0B5B3F535331}"/>
-              </a:ext>
-            </a:extLst>
-          </p:cNvPr>
-          <p:cNvSpPr>
-            <a:spLocks noGrp="1"/>
-          </p:cNvSpPr>
-          <p:nvPr>
-            <p:ph type="title"/>
-          </p:nvPr>
-        </p:nvSpPr>
-        <p:spPr/>
-        <p:txBody>
-          <a:bodyPr>
-            <a:noAutofit/>
-          </a:bodyPr>
-          <a:lstStyle/>
-          <a:p>
-            <a:r>
-              <a:rPr lang="it-IT" sz="9600"/>
-              <a:t>EXAMPLES</a:t>
-            </a:r>
-          </a:p>
-        </p:txBody>
-      </p:sp>
-      <p:sp>
-        <p:nvSpPr>
-          <p:cNvPr id="3" name="Segnaposto contenuto 2">
-            <a:extLst>
-              <a:ext uri="{FF2B5EF4-FFF2-40B4-BE49-F238E27FC236}">
-                <a16:creationId xmlns:a16="http://schemas.microsoft.com/office/drawing/2014/main" id="{364CAF33-1892-1414-B6DA-837B5BDE37DD}"/>
-              </a:ext>
-            </a:extLst>
-          </p:cNvPr>
-          <p:cNvSpPr>
-            <a:spLocks noGrp="1"/>
-          </p:cNvSpPr>
-          <p:nvPr>
-            <p:ph idx="1"/>
-          </p:nvPr>
-        </p:nvSpPr>
-        <p:spPr>
-          <a:xfrm>
-            <a:off x="838200" y="2444750"/>
-            <a:ext cx="10515600" cy="4351338"/>
-          </a:xfrm>
-        </p:spPr>
-        <p:txBody>
-          <a:bodyPr/>
-          <a:lstStyle/>
-          <a:p>
-            <a:pPr marL="0" indent="0">
-              <a:buNone/>
-            </a:pPr>
-            <a:r>
-              <a:rPr lang="it-IT"/>
-              <a:t>Lorem ipsum, dolor sit amet consectetur adipisicing elit. Numquam et pariatur necessitatibus, praesentium ipsa voluptatem error ea aperiam debitis at adipisci eum expedita facilis quod suscipit ipsum perferendis magni eos minima rerum qui blanditiis exercitationem totam? Voluptates voluptatum architecto, harum blanditiis facere ipsa quo delectus, necessitatibus et, tempore sit alias?</a:t>
-            </a:r>
-          </a:p>
-          <a:p>
-            <a:pPr marL="0" indent="0">
-              <a:buNone/>
-            </a:pPr>
-            <a:endParaRPr lang="it-IT"/>
-          </a:p>
-        </p:txBody>
-      </p:sp>
-    </p:spTree>
-    <p:extLst>
-      <p:ext uri="{BB962C8B-B14F-4D97-AF65-F5344CB8AC3E}">
-        <p14:creationId xmlns:p14="http://schemas.microsoft.com/office/powerpoint/2010/main" val="88291918"/>
-      </p:ext>
-    </p:extLst>
-  </p:cSld>
-  <p:clrMapOvr>
-    <a:masterClrMapping/>
-  </p:clrMapOvr>
-  <p:transition spd="slow">
-    <p:push/>
-  </p:transition>
-  <p:timing>
-    <p:tnLst>
-      <p:par>
-        <p:cTn id="1" dur="indefinite" restart="never" nodeType="tmRoot">
-          <p:childTnLst>
-            <p:seq concurrent="1" nextAc="seek">
-              <p:cTn id="2" dur="indefinite" nodeType="mainSeq">
-                <p:childTnLst>
-                  <p:par>
-                    <p:cTn id="3" fill="hold">
-                      <p:stCondLst>
-                        <p:cond delay="indefinite"/>
-                        <p:cond evt="onBegin" delay="0">
-                          <p:tn val="2"/>
-                        </p:cond>
-                      </p:stCondLst>
-                      <p:childTnLst>
-                        <p:par>
-                          <p:cTn id="4" fill="hold">
-                            <p:stCondLst>
-                              <p:cond delay="0"/>
-                            </p:stCondLst>
-                            <p:childTnLst>
-                              <p:par>
-                                <p:cTn id="5" presetID="42" presetClass="entr" presetSubtype="0" fill="hold" grpId="0" nodeType="afterEffect">
-                                  <p:stCondLst>
-                                    <p:cond delay="0"/>
-                                  </p:stCondLst>
-                                  <p:childTnLst>
-                                    <p:set>
-                                      <p:cBhvr>
-                                        <p:cTn id="6" dur="1" fill="hold">
-                                          <p:stCondLst>
-                                            <p:cond delay="0"/>
-                                          </p:stCondLst>
-                                        </p:cTn>
-                                        <p:tgtEl>
-                                          <p:spTgt spid="3">
-                                            <p:txEl>
-                                              <p:pRg st="0" end="0"/>
-                                            </p:txEl>
-                                          </p:spTgt>
-                                        </p:tgtEl>
-                                        <p:attrNameLst>
-                                          <p:attrName>style.visibility</p:attrName>
-                                        </p:attrNameLst>
-                                      </p:cBhvr>
-                                      <p:to>
-                                        <p:strVal val="visible"/>
-                                      </p:to>
-                                    </p:set>
-                                    <p:animEffect transition="in" filter="fade">
-                                      <p:cBhvr>
-                                        <p:cTn id="7" dur="1000"/>
-                                        <p:tgtEl>
-                                          <p:spTgt spid="3">
-                                            <p:txEl>
-                                              <p:pRg st="0" end="0"/>
-                                            </p:txEl>
-                                          </p:spTgt>
-                                        </p:tgtEl>
-                                      </p:cBhvr>
-                                    </p:animEffect>
-                                    <p:anim calcmode="lin" valueType="num">
-                                      <p:cBhvr>
-                                        <p:cTn id="8" dur="1000" fill="hold"/>
-                                        <p:tgtEl>
-                                          <p:spTgt spid="3">
-                                            <p:txEl>
-                                              <p:pRg st="0" end="0"/>
-                                            </p:txEl>
-                                          </p:spTgt>
-                                        </p:tgtEl>
-                                        <p:attrNameLst>
-                                          <p:attrName>ppt_x</p:attrName>
-                                        </p:attrNameLst>
-                                      </p:cBhvr>
-                                      <p:tavLst>
-                                        <p:tav tm="0">
-                                          <p:val>
-                                            <p:strVal val="#ppt_x"/>
-                                          </p:val>
-                                        </p:tav>
-                                        <p:tav tm="100000">
-                                          <p:val>
-                                            <p:strVal val="#ppt_x"/>
-                                          </p:val>
-                                        </p:tav>
-                                      </p:tavLst>
-                                    </p:anim>
-                                    <p:anim calcmode="lin" valueType="num">
-                                      <p:cBhvr>
-                                        <p:cTn id="9" dur="1000" fill="hold"/>
-                                        <p:tgtEl>
-                                          <p:spTgt spid="3">
-                                            <p:txEl>
-                                              <p:pRg st="0" end="0"/>
-                                            </p:txEl>
-                                          </p:spTgt>
-                                        </p:tgtEl>
-                                        <p:attrNameLst>
-                                          <p:attrName>ppt_y</p:attrName>
-                                        </p:attrNameLst>
-                                      </p:cBhvr>
-                                      <p:tavLst>
-                                        <p:tav tm="0">
-                                          <p:val>
-                                            <p:strVal val="#ppt_y+.1"/>
-                                          </p:val>
-                                        </p:tav>
-                                        <p:tav tm="100000">
-                                          <p:val>
-                                            <p:strVal val="#ppt_y"/>
-                                          </p:val>
-                                        </p:tav>
-                                      </p:tavLst>
-                                    </p:anim>
-                                  </p:childTnLst>
-                                </p:cTn>
-                              </p:par>
-                            </p:childTnLst>
-                          </p:cTn>
-                        </p:par>
-                      </p:childTnLst>
-                    </p:cTn>
-                  </p:par>
-                </p:childTnLst>
-              </p:cTn>
-              <p:prevCondLst>
-                <p:cond evt="onPrev" delay="0">
-                  <p:tgtEl>
-                    <p:sldTgt/>
-                  </p:tgtEl>
-                </p:cond>
-              </p:prevCondLst>
-              <p:nextCondLst>
-                <p:cond evt="onNext" delay="0">
-                  <p:tgtEl>
-                    <p:sldTgt/>
-                  </p:tgtEl>
-                </p:cond>
-              </p:nextCondLst>
-            </p:seq>
-          </p:childTnLst>
-        </p:cTn>
-      </p:par>
-    </p:tnLst>
-    <p:bldLst>
-      <p:bldP spid="3" grpId="0" build="p"/>
-    </p:bldLst>
-  </p:timing>
-</p:sld>
-</file>
-
-<file path=ppt/slides/slide12.xml><?xml version="1.0" encoding="utf-8"?>
-<p:sld xmlns:a="http://schemas.openxmlformats.org/drawingml/2006/main" xmlns:r="http://schemas.openxmlformats.org/officeDocument/2006/relationships" xmlns:p="http://schemas.openxmlformats.org/presentationml/2006/main">
-  <p:cSld>
-    <p:bg>
-      <p:bgPr>
-        <a:gradFill flip="none" rotWithShape="1">
-          <a:gsLst>
-            <a:gs pos="100000">
-              <a:schemeClr val="bg2"/>
-            </a:gs>
-            <a:gs pos="0">
-              <a:schemeClr val="bg1"/>
-            </a:gs>
-          </a:gsLst>
-          <a:lin ang="5400000" scaled="1"/>
-          <a:tileRect/>
-        </a:gradFill>
-        <a:effectLst/>
-      </p:bgPr>
-    </p:bg>
-    <p:spTree>
-      <p:nvGrpSpPr>
-        <p:cNvPr id="1" name=""/>
-        <p:cNvGrpSpPr/>
-        <p:nvPr/>
-      </p:nvGrpSpPr>
-      <p:grpSpPr>
-        <a:xfrm>
-          <a:off x="0" y="0"/>
-          <a:ext cx="0" cy="0"/>
-          <a:chOff x="0" y="0"/>
-          <a:chExt cx="0" cy="0"/>
-        </a:xfrm>
-      </p:grpSpPr>
-      <p:sp>
-        <p:nvSpPr>
-          <p:cNvPr id="2" name="Titolo 1">
-            <a:extLst>
-              <a:ext uri="{FF2B5EF4-FFF2-40B4-BE49-F238E27FC236}">
-                <a16:creationId xmlns:a16="http://schemas.microsoft.com/office/drawing/2014/main" id="{F4E2CC84-4E58-99B8-9881-0B5B3F535331}"/>
-              </a:ext>
-            </a:extLst>
-          </p:cNvPr>
-          <p:cNvSpPr>
-            <a:spLocks noGrp="1"/>
-          </p:cNvSpPr>
-          <p:nvPr>
-            <p:ph type="title"/>
-          </p:nvPr>
-        </p:nvSpPr>
-        <p:spPr/>
-        <p:txBody>
-          <a:bodyPr>
-            <a:noAutofit/>
-          </a:bodyPr>
-          <a:lstStyle/>
-          <a:p>
-            <a:r>
-              <a:rPr lang="it-IT" sz="9600"/>
-              <a:t>WORKING IN TEAM</a:t>
-            </a:r>
-          </a:p>
-        </p:txBody>
-      </p:sp>
-      <p:sp>
-        <p:nvSpPr>
-          <p:cNvPr id="3" name="Segnaposto contenuto 2">
-            <a:extLst>
-              <a:ext uri="{FF2B5EF4-FFF2-40B4-BE49-F238E27FC236}">
-                <a16:creationId xmlns:a16="http://schemas.microsoft.com/office/drawing/2014/main" id="{364CAF33-1892-1414-B6DA-837B5BDE37DD}"/>
-              </a:ext>
-            </a:extLst>
-          </p:cNvPr>
-          <p:cNvSpPr>
-            <a:spLocks noGrp="1"/>
-          </p:cNvSpPr>
-          <p:nvPr>
-            <p:ph idx="1"/>
-          </p:nvPr>
-        </p:nvSpPr>
-        <p:spPr>
-          <a:xfrm>
-            <a:off x="838200" y="2444750"/>
-            <a:ext cx="10515600" cy="4351338"/>
-          </a:xfrm>
-        </p:spPr>
-        <p:txBody>
-          <a:bodyPr/>
-          <a:lstStyle/>
-          <a:p>
-            <a:pPr marL="0" indent="0">
-              <a:buNone/>
-            </a:pPr>
-            <a:r>
-              <a:rPr lang="it-IT"/>
-              <a:t>Lorem ipsum, dolor sit amet consectetur adipisicing elit. Numquam et pariatur necessitatibus, praesentium ipsa voluptatem error ea aperiam debitis at adipisci eum expedita facilis quod suscipit ipsum perferendis magni eos minima rerum qui blanditiis exercitationem totam? Voluptates voluptatum architecto, harum blanditiis facere ipsa quo delectus, necessitatibus et, tempore sit alias?</a:t>
-            </a:r>
-          </a:p>
-          <a:p>
-            <a:pPr marL="0" indent="0">
-              <a:buNone/>
-            </a:pPr>
-            <a:endParaRPr lang="it-IT"/>
-          </a:p>
-        </p:txBody>
-      </p:sp>
-    </p:spTree>
-    <p:extLst>
-      <p:ext uri="{BB962C8B-B14F-4D97-AF65-F5344CB8AC3E}">
-        <p14:creationId xmlns:p14="http://schemas.microsoft.com/office/powerpoint/2010/main" val="2239564876"/>
-      </p:ext>
-    </p:extLst>
-  </p:cSld>
-  <p:clrMapOvr>
-    <a:masterClrMapping/>
-  </p:clrMapOvr>
-  <p:transition spd="slow">
-    <p:push/>
-  </p:transition>
-  <p:timing>
-    <p:tnLst>
-      <p:par>
-        <p:cTn id="1" dur="indefinite" restart="never" nodeType="tmRoot">
-          <p:childTnLst>
-            <p:seq concurrent="1" nextAc="seek">
-              <p:cTn id="2" dur="indefinite" nodeType="mainSeq">
-                <p:childTnLst>
-                  <p:par>
-                    <p:cTn id="3" fill="hold">
-                      <p:stCondLst>
-                        <p:cond delay="indefinite"/>
-                        <p:cond evt="onBegin" delay="0">
-                          <p:tn val="2"/>
-                        </p:cond>
-                      </p:stCondLst>
-                      <p:childTnLst>
-                        <p:par>
-                          <p:cTn id="4" fill="hold">
-                            <p:stCondLst>
-                              <p:cond delay="0"/>
-                            </p:stCondLst>
-                            <p:childTnLst>
-                              <p:par>
-                                <p:cTn id="5" presetID="42" presetClass="entr" presetSubtype="0" fill="hold" grpId="0" nodeType="afterEffect">
-                                  <p:stCondLst>
-                                    <p:cond delay="0"/>
-                                  </p:stCondLst>
-                                  <p:childTnLst>
-                                    <p:set>
-                                      <p:cBhvr>
-                                        <p:cTn id="6" dur="1" fill="hold">
-                                          <p:stCondLst>
-                                            <p:cond delay="0"/>
-                                          </p:stCondLst>
-                                        </p:cTn>
-                                        <p:tgtEl>
-                                          <p:spTgt spid="3">
-                                            <p:txEl>
-                                              <p:pRg st="0" end="0"/>
-                                            </p:txEl>
-                                          </p:spTgt>
-                                        </p:tgtEl>
-                                        <p:attrNameLst>
-                                          <p:attrName>style.visibility</p:attrName>
-                                        </p:attrNameLst>
-                                      </p:cBhvr>
-                                      <p:to>
-                                        <p:strVal val="visible"/>
-                                      </p:to>
-                                    </p:set>
-                                    <p:animEffect transition="in" filter="fade">
-                                      <p:cBhvr>
-                                        <p:cTn id="7" dur="1000"/>
-                                        <p:tgtEl>
-                                          <p:spTgt spid="3">
-                                            <p:txEl>
-                                              <p:pRg st="0" end="0"/>
-                                            </p:txEl>
-                                          </p:spTgt>
-                                        </p:tgtEl>
-                                      </p:cBhvr>
-                                    </p:animEffect>
-                                    <p:anim calcmode="lin" valueType="num">
-                                      <p:cBhvr>
-                                        <p:cTn id="8" dur="1000" fill="hold"/>
-                                        <p:tgtEl>
-                                          <p:spTgt spid="3">
-                                            <p:txEl>
-                                              <p:pRg st="0" end="0"/>
-                                            </p:txEl>
-                                          </p:spTgt>
-                                        </p:tgtEl>
-                                        <p:attrNameLst>
-                                          <p:attrName>ppt_x</p:attrName>
-                                        </p:attrNameLst>
-                                      </p:cBhvr>
-                                      <p:tavLst>
-                                        <p:tav tm="0">
-                                          <p:val>
-                                            <p:strVal val="#ppt_x"/>
-                                          </p:val>
-                                        </p:tav>
-                                        <p:tav tm="100000">
-                                          <p:val>
-                                            <p:strVal val="#ppt_x"/>
-                                          </p:val>
-                                        </p:tav>
-                                      </p:tavLst>
-                                    </p:anim>
-                                    <p:anim calcmode="lin" valueType="num">
-                                      <p:cBhvr>
-                                        <p:cTn id="9" dur="1000" fill="hold"/>
-                                        <p:tgtEl>
-                                          <p:spTgt spid="3">
-                                            <p:txEl>
-                                              <p:pRg st="0" end="0"/>
-                                            </p:txEl>
-                                          </p:spTgt>
-                                        </p:tgtEl>
-                                        <p:attrNameLst>
-                                          <p:attrName>ppt_y</p:attrName>
-                                        </p:attrNameLst>
-                                      </p:cBhvr>
-                                      <p:tavLst>
-                                        <p:tav tm="0">
-                                          <p:val>
-                                            <p:strVal val="#ppt_y+.1"/>
-                                          </p:val>
-                                        </p:tav>
-                                        <p:tav tm="100000">
-                                          <p:val>
-                                            <p:strVal val="#ppt_y"/>
-                                          </p:val>
-                                        </p:tav>
-                                      </p:tavLst>
-                                    </p:anim>
-                                  </p:childTnLst>
-                                </p:cTn>
-                              </p:par>
-                            </p:childTnLst>
-                          </p:cTn>
-                        </p:par>
-                      </p:childTnLst>
-                    </p:cTn>
-                  </p:par>
-                </p:childTnLst>
-              </p:cTn>
-              <p:prevCondLst>
-                <p:cond evt="onPrev" delay="0">
-                  <p:tgtEl>
-                    <p:sldTgt/>
-                  </p:tgtEl>
-                </p:cond>
-              </p:prevCondLst>
-              <p:nextCondLst>
-                <p:cond evt="onNext" delay="0">
-                  <p:tgtEl>
-                    <p:sldTgt/>
-                  </p:tgtEl>
-                </p:cond>
-              </p:nextCondLst>
-            </p:seq>
-          </p:childTnLst>
-        </p:cTn>
-      </p:par>
-    </p:tnLst>
-    <p:bldLst>
-      <p:bldP spid="3" grpId="0" build="p"/>
-    </p:bldLst>
-  </p:timing>
-</p:sld>
-</file>
-
-<file path=ppt/slides/slide13.xml><?xml version="1.0" encoding="utf-8"?>
-<p:sld xmlns:a="http://schemas.openxmlformats.org/drawingml/2006/main" xmlns:r="http://schemas.openxmlformats.org/officeDocument/2006/relationships" xmlns:p="http://schemas.openxmlformats.org/presentationml/2006/main">
-  <p:cSld>
-    <p:bg>
-      <p:bgPr>
-        <a:gradFill flip="none" rotWithShape="1">
-          <a:gsLst>
-            <a:gs pos="100000">
-              <a:schemeClr val="bg2"/>
-            </a:gs>
-            <a:gs pos="0">
-              <a:schemeClr val="bg1"/>
-            </a:gs>
-          </a:gsLst>
-          <a:lin ang="5400000" scaled="1"/>
-          <a:tileRect/>
-        </a:gradFill>
-        <a:effectLst/>
-      </p:bgPr>
-    </p:bg>
-    <p:spTree>
-      <p:nvGrpSpPr>
-        <p:cNvPr id="1" name=""/>
-        <p:cNvGrpSpPr/>
-        <p:nvPr/>
-      </p:nvGrpSpPr>
-      <p:grpSpPr>
-        <a:xfrm>
-          <a:off x="0" y="0"/>
-          <a:ext cx="0" cy="0"/>
-          <a:chOff x="0" y="0"/>
-          <a:chExt cx="0" cy="0"/>
-        </a:xfrm>
-      </p:grpSpPr>
-      <p:sp>
-        <p:nvSpPr>
-          <p:cNvPr id="2" name="Titolo 1">
-            <a:extLst>
-              <a:ext uri="{FF2B5EF4-FFF2-40B4-BE49-F238E27FC236}">
-                <a16:creationId xmlns:a16="http://schemas.microsoft.com/office/drawing/2014/main" id="{F4E2CC84-4E58-99B8-9881-0B5B3F535331}"/>
-              </a:ext>
-            </a:extLst>
-          </p:cNvPr>
-          <p:cNvSpPr>
-            <a:spLocks noGrp="1"/>
-          </p:cNvSpPr>
-          <p:nvPr>
-            <p:ph type="title"/>
-          </p:nvPr>
-        </p:nvSpPr>
         <p:spPr>
           <a:xfrm>
             <a:off x="838200" y="2766218"/>
@@ -7850,13 +7028,13 @@
   <p:clrMapOvr>
     <a:masterClrMapping/>
   </p:clrMapOvr>
-  <mc:AlternateContent xmlns:mc="http://schemas.openxmlformats.org/markup-compatibility/2006">
-    <mc:Choice xmlns:p159="http://schemas.microsoft.com/office/powerpoint/2015/09/main" Requires="p159">
+  <mc:AlternateContent xmlns:mc="http://schemas.openxmlformats.org/markup-compatibility/2006" xmlns:p159="http://schemas.microsoft.com/office/powerpoint/2015/09/main">
+    <mc:Choice Requires="p159">
       <p:transition xmlns:p14="http://schemas.microsoft.com/office/powerpoint/2010/main" spd="slow" p14:dur="2500">
         <p159:morph option="byChar"/>
       </p:transition>
     </mc:Choice>
-    <mc:Fallback>
+    <mc:Fallback xmlns="">
       <p:transition spd="slow">
         <p:fade/>
       </p:transition>
@@ -8385,13 +7563,13 @@
   <p:clrMapOvr>
     <a:masterClrMapping/>
   </p:clrMapOvr>
-  <mc:AlternateContent xmlns:mc="http://schemas.openxmlformats.org/markup-compatibility/2006">
-    <mc:Choice xmlns:p14="http://schemas.microsoft.com/office/powerpoint/2010/main" Requires="p14">
+  <mc:AlternateContent xmlns:mc="http://schemas.openxmlformats.org/markup-compatibility/2006" xmlns:p14="http://schemas.microsoft.com/office/powerpoint/2010/main">
+    <mc:Choice Requires="p14">
       <p:transition spd="slow" p14:dur="1500">
         <p:push/>
       </p:transition>
     </mc:Choice>
-    <mc:Fallback>
+    <mc:Fallback xmlns="">
       <p:transition spd="slow">
         <p:push/>
       </p:transition>
@@ -9137,13 +8315,13 @@
   <p:clrMapOvr>
     <a:masterClrMapping/>
   </p:clrMapOvr>
-  <mc:AlternateContent xmlns:mc="http://schemas.openxmlformats.org/markup-compatibility/2006">
-    <mc:Choice xmlns:p14="http://schemas.microsoft.com/office/powerpoint/2010/main" Requires="p14">
+  <mc:AlternateContent xmlns:mc="http://schemas.openxmlformats.org/markup-compatibility/2006" xmlns:p14="http://schemas.microsoft.com/office/powerpoint/2010/main">
+    <mc:Choice Requires="p14">
       <p:transition spd="slow" p14:dur="1500">
         <p:push/>
       </p:transition>
     </mc:Choice>
-    <mc:Fallback>
+    <mc:Fallback xmlns="">
       <p:transition spd="slow">
         <p:push/>
       </p:transition>
@@ -9846,13 +9024,13 @@
   <p:clrMapOvr>
     <a:masterClrMapping/>
   </p:clrMapOvr>
-  <mc:AlternateContent xmlns:mc="http://schemas.openxmlformats.org/markup-compatibility/2006">
-    <mc:Choice xmlns:p159="http://schemas.microsoft.com/office/powerpoint/2015/09/main" Requires="p159">
+  <mc:AlternateContent xmlns:mc="http://schemas.openxmlformats.org/markup-compatibility/2006" xmlns:p159="http://schemas.microsoft.com/office/powerpoint/2015/09/main">
+    <mc:Choice Requires="p159">
       <p:transition xmlns:p14="http://schemas.microsoft.com/office/powerpoint/2010/main" spd="slow" p14:dur="2000">
         <p159:morph option="byObject"/>
       </p:transition>
     </mc:Choice>
-    <mc:Fallback>
+    <mc:Fallback xmlns="">
       <p:transition spd="slow">
         <p:fade/>
       </p:transition>
@@ -10481,13 +9659,13 @@
   <p:clrMapOvr>
     <a:masterClrMapping/>
   </p:clrMapOvr>
-  <mc:AlternateContent xmlns:mc="http://schemas.openxmlformats.org/markup-compatibility/2006">
-    <mc:Choice xmlns:p14="http://schemas.microsoft.com/office/powerpoint/2010/main" Requires="p14">
+  <mc:AlternateContent xmlns:mc="http://schemas.openxmlformats.org/markup-compatibility/2006" xmlns:p14="http://schemas.microsoft.com/office/powerpoint/2010/main">
+    <mc:Choice Requires="p14">
       <p:transition spd="slow" p14:dur="1500">
         <p:push/>
       </p:transition>
     </mc:Choice>
-    <mc:Fallback>
+    <mc:Fallback xmlns="">
       <p:transition spd="slow">
         <p:push/>
       </p:transition>
@@ -11475,13 +10653,13 @@
   <p:clrMapOvr>
     <a:masterClrMapping/>
   </p:clrMapOvr>
-  <mc:AlternateContent xmlns:mc="http://schemas.openxmlformats.org/markup-compatibility/2006">
-    <mc:Choice xmlns:p159="http://schemas.microsoft.com/office/powerpoint/2015/09/main" Requires="p159">
+  <mc:AlternateContent xmlns:mc="http://schemas.openxmlformats.org/markup-compatibility/2006" xmlns:p159="http://schemas.microsoft.com/office/powerpoint/2015/09/main">
+    <mc:Choice Requires="p159">
       <p:transition xmlns:p14="http://schemas.microsoft.com/office/powerpoint/2010/main" spd="slow" p14:dur="2000">
         <p159:morph option="byObject"/>
       </p:transition>
     </mc:Choice>
-    <mc:Fallback>
+    <mc:Fallback xmlns="">
       <p:transition spd="slow">
         <p:fade/>
       </p:transition>
@@ -12421,13 +11599,13 @@
   <p:clrMapOvr>
     <a:masterClrMapping/>
   </p:clrMapOvr>
-  <mc:AlternateContent xmlns:mc="http://schemas.openxmlformats.org/markup-compatibility/2006">
-    <mc:Choice xmlns:p159="http://schemas.microsoft.com/office/powerpoint/2015/09/main" Requires="p159">
+  <mc:AlternateContent xmlns:mc="http://schemas.openxmlformats.org/markup-compatibility/2006" xmlns:p159="http://schemas.microsoft.com/office/powerpoint/2015/09/main">
+    <mc:Choice Requires="p159">
       <p:transition xmlns:p14="http://schemas.microsoft.com/office/powerpoint/2010/main" spd="slow" p14:dur="2000">
         <p159:morph option="byObject"/>
       </p:transition>
     </mc:Choice>
-    <mc:Fallback>
+    <mc:Fallback xmlns="">
       <p:transition spd="slow">
         <p:fade/>
       </p:transition>
@@ -12799,13 +11977,13 @@
   <p:clrMapOvr>
     <a:masterClrMapping/>
   </p:clrMapOvr>
-  <mc:AlternateContent xmlns:mc="http://schemas.openxmlformats.org/markup-compatibility/2006">
-    <mc:Choice xmlns:p14="http://schemas.microsoft.com/office/powerpoint/2010/main" Requires="p14">
+  <mc:AlternateContent xmlns:mc="http://schemas.openxmlformats.org/markup-compatibility/2006" xmlns:p14="http://schemas.microsoft.com/office/powerpoint/2010/main">
+    <mc:Choice Requires="p14">
       <p:transition spd="slow" p14:dur="2000">
         <p:push dir="d"/>
       </p:transition>
     </mc:Choice>
-    <mc:Fallback>
+    <mc:Fallback xmlns="">
       <p:transition spd="slow">
         <p:push dir="d"/>
       </p:transition>
